--- a/government/MGEFA_governmnet.pptx
+++ b/government/MGEFA_governmnet.pptx
@@ -14,12 +14,8 @@
     <p:sldId id="276" r:id="rId8"/>
     <p:sldId id="277" r:id="rId9"/>
     <p:sldId id="278" r:id="rId10"/>
-    <p:sldId id="268" r:id="rId11"/>
-    <p:sldId id="269" r:id="rId12"/>
-    <p:sldId id="270" r:id="rId13"/>
-    <p:sldId id="271" r:id="rId14"/>
-    <p:sldId id="257" r:id="rId15"/>
-    <p:sldId id="272" r:id="rId16"/>
+    <p:sldId id="271" r:id="rId11"/>
+    <p:sldId id="257" r:id="rId12"/>
   </p:sldIdLst>
   <p:sldSz cx="9144000" cy="6858000" type="screen4x3"/>
   <p:notesSz cx="6858000" cy="9144000"/>
@@ -302,7 +298,7 @@
           <a:p>
             <a:fld id="{7EA1F2CE-1790-4EAD-839F-A0B13D2FCDB9}" type="datetimeFigureOut">
               <a:rPr lang="en-US" smtClean="0"/>
-              <a:t>7/23/2013</a:t>
+              <a:t>7/30/2013</a:t>
             </a:fld>
             <a:endParaRPr lang="en-US"/>
           </a:p>
@@ -472,7 +468,7 @@
           <a:p>
             <a:fld id="{7EA1F2CE-1790-4EAD-839F-A0B13D2FCDB9}" type="datetimeFigureOut">
               <a:rPr lang="en-US" smtClean="0"/>
-              <a:t>7/23/2013</a:t>
+              <a:t>7/30/2013</a:t>
             </a:fld>
             <a:endParaRPr lang="en-US"/>
           </a:p>
@@ -652,7 +648,7 @@
           <a:p>
             <a:fld id="{7EA1F2CE-1790-4EAD-839F-A0B13D2FCDB9}" type="datetimeFigureOut">
               <a:rPr lang="en-US" smtClean="0"/>
-              <a:t>7/23/2013</a:t>
+              <a:t>7/30/2013</a:t>
             </a:fld>
             <a:endParaRPr lang="en-US"/>
           </a:p>
@@ -822,7 +818,7 @@
           <a:p>
             <a:fld id="{7EA1F2CE-1790-4EAD-839F-A0B13D2FCDB9}" type="datetimeFigureOut">
               <a:rPr lang="en-US" smtClean="0"/>
-              <a:t>7/23/2013</a:t>
+              <a:t>7/30/2013</a:t>
             </a:fld>
             <a:endParaRPr lang="en-US"/>
           </a:p>
@@ -1068,7 +1064,7 @@
           <a:p>
             <a:fld id="{7EA1F2CE-1790-4EAD-839F-A0B13D2FCDB9}" type="datetimeFigureOut">
               <a:rPr lang="en-US" smtClean="0"/>
-              <a:t>7/23/2013</a:t>
+              <a:t>7/30/2013</a:t>
             </a:fld>
             <a:endParaRPr lang="en-US"/>
           </a:p>
@@ -1356,7 +1352,7 @@
           <a:p>
             <a:fld id="{7EA1F2CE-1790-4EAD-839F-A0B13D2FCDB9}" type="datetimeFigureOut">
               <a:rPr lang="en-US" smtClean="0"/>
-              <a:t>7/23/2013</a:t>
+              <a:t>7/30/2013</a:t>
             </a:fld>
             <a:endParaRPr lang="en-US"/>
           </a:p>
@@ -1778,7 +1774,7 @@
           <a:p>
             <a:fld id="{7EA1F2CE-1790-4EAD-839F-A0B13D2FCDB9}" type="datetimeFigureOut">
               <a:rPr lang="en-US" smtClean="0"/>
-              <a:t>7/23/2013</a:t>
+              <a:t>7/30/2013</a:t>
             </a:fld>
             <a:endParaRPr lang="en-US"/>
           </a:p>
@@ -1896,7 +1892,7 @@
           <a:p>
             <a:fld id="{7EA1F2CE-1790-4EAD-839F-A0B13D2FCDB9}" type="datetimeFigureOut">
               <a:rPr lang="en-US" smtClean="0"/>
-              <a:t>7/23/2013</a:t>
+              <a:t>7/30/2013</a:t>
             </a:fld>
             <a:endParaRPr lang="en-US"/>
           </a:p>
@@ -1991,7 +1987,7 @@
           <a:p>
             <a:fld id="{7EA1F2CE-1790-4EAD-839F-A0B13D2FCDB9}" type="datetimeFigureOut">
               <a:rPr lang="en-US" smtClean="0"/>
-              <a:t>7/23/2013</a:t>
+              <a:t>7/30/2013</a:t>
             </a:fld>
             <a:endParaRPr lang="en-US"/>
           </a:p>
@@ -2268,7 +2264,7 @@
           <a:p>
             <a:fld id="{7EA1F2CE-1790-4EAD-839F-A0B13D2FCDB9}" type="datetimeFigureOut">
               <a:rPr lang="en-US" smtClean="0"/>
-              <a:t>7/23/2013</a:t>
+              <a:t>7/30/2013</a:t>
             </a:fld>
             <a:endParaRPr lang="en-US"/>
           </a:p>
@@ -2521,7 +2517,7 @@
           <a:p>
             <a:fld id="{7EA1F2CE-1790-4EAD-839F-A0B13D2FCDB9}" type="datetimeFigureOut">
               <a:rPr lang="en-US" smtClean="0"/>
-              <a:t>7/23/2013</a:t>
+              <a:t>7/30/2013</a:t>
             </a:fld>
             <a:endParaRPr lang="en-US"/>
           </a:p>
@@ -2734,7 +2730,7 @@
           <a:p>
             <a:fld id="{7EA1F2CE-1790-4EAD-839F-A0B13D2FCDB9}" type="datetimeFigureOut">
               <a:rPr lang="en-US" smtClean="0"/>
-              <a:t>7/23/2013</a:t>
+              <a:t>7/30/2013</a:t>
             </a:fld>
             <a:endParaRPr lang="en-US"/>
           </a:p>
@@ -3498,7 +3494,6 @@
               <a:rPr lang="en-US" dirty="0"/>
               <a:t>4 Definitely should not be</a:t>
             </a:r>
-            <a:endParaRPr lang="en-US" dirty="0"/>
           </a:p>
         </p:txBody>
       </p:sp>
@@ -3542,7 +3537,7 @@
     </p:spTree>
     <p:extLst>
       <p:ext uri="{BB962C8B-B14F-4D97-AF65-F5344CB8AC3E}">
-        <p14:creationId xmlns:p14="http://schemas.microsoft.com/office/powerpoint/2010/main" val="514083779"/>
+        <p14:creationId xmlns:p14="http://schemas.microsoft.com/office/powerpoint/2010/main" val="1040952365"/>
       </p:ext>
     </p:extLst>
   </p:cSld>
@@ -3576,117 +3571,6 @@
           <a:chExt cx="0" cy="0"/>
         </a:xfrm>
       </p:grpSpPr>
-    </p:spTree>
-    <p:extLst>
-      <p:ext uri="{BB962C8B-B14F-4D97-AF65-F5344CB8AC3E}">
-        <p14:creationId xmlns:p14="http://schemas.microsoft.com/office/powerpoint/2010/main" val="1040952365"/>
-      </p:ext>
-    </p:extLst>
-  </p:cSld>
-  <p:clrMapOvr>
-    <a:masterClrMapping/>
-  </p:clrMapOvr>
-  <p:timing>
-    <p:tnLst>
-      <p:par>
-        <p:cTn id="1" dur="indefinite" restart="never" nodeType="tmRoot"/>
-      </p:par>
-    </p:tnLst>
-  </p:timing>
-</p:sld>
-</file>
-
-<file path=ppt/slides/slide12.xml><?xml version="1.0" encoding="utf-8"?>
-<p:sld xmlns:a="http://schemas.openxmlformats.org/drawingml/2006/main" xmlns:r="http://schemas.openxmlformats.org/officeDocument/2006/relationships" xmlns:p="http://schemas.openxmlformats.org/presentationml/2006/main">
-  <p:cSld>
-    <p:spTree>
-      <p:nvGrpSpPr>
-        <p:cNvPr id="1" name=""/>
-        <p:cNvGrpSpPr/>
-        <p:nvPr/>
-      </p:nvGrpSpPr>
-      <p:grpSpPr>
-        <a:xfrm>
-          <a:off x="0" y="0"/>
-          <a:ext cx="0" cy="0"/>
-          <a:chOff x="0" y="0"/>
-          <a:chExt cx="0" cy="0"/>
-        </a:xfrm>
-      </p:grpSpPr>
-    </p:spTree>
-    <p:extLst>
-      <p:ext uri="{BB962C8B-B14F-4D97-AF65-F5344CB8AC3E}">
-        <p14:creationId xmlns:p14="http://schemas.microsoft.com/office/powerpoint/2010/main" val="1040952365"/>
-      </p:ext>
-    </p:extLst>
-  </p:cSld>
-  <p:clrMapOvr>
-    <a:masterClrMapping/>
-  </p:clrMapOvr>
-  <p:timing>
-    <p:tnLst>
-      <p:par>
-        <p:cTn id="1" dur="indefinite" restart="never" nodeType="tmRoot"/>
-      </p:par>
-    </p:tnLst>
-  </p:timing>
-</p:sld>
-</file>
-
-<file path=ppt/slides/slide13.xml><?xml version="1.0" encoding="utf-8"?>
-<p:sld xmlns:a="http://schemas.openxmlformats.org/drawingml/2006/main" xmlns:r="http://schemas.openxmlformats.org/officeDocument/2006/relationships" xmlns:p="http://schemas.openxmlformats.org/presentationml/2006/main">
-  <p:cSld>
-    <p:spTree>
-      <p:nvGrpSpPr>
-        <p:cNvPr id="1" name=""/>
-        <p:cNvGrpSpPr/>
-        <p:nvPr/>
-      </p:nvGrpSpPr>
-      <p:grpSpPr>
-        <a:xfrm>
-          <a:off x="0" y="0"/>
-          <a:ext cx="0" cy="0"/>
-          <a:chOff x="0" y="0"/>
-          <a:chExt cx="0" cy="0"/>
-        </a:xfrm>
-      </p:grpSpPr>
-    </p:spTree>
-    <p:extLst>
-      <p:ext uri="{BB962C8B-B14F-4D97-AF65-F5344CB8AC3E}">
-        <p14:creationId xmlns:p14="http://schemas.microsoft.com/office/powerpoint/2010/main" val="1040952365"/>
-      </p:ext>
-    </p:extLst>
-  </p:cSld>
-  <p:clrMapOvr>
-    <a:masterClrMapping/>
-  </p:clrMapOvr>
-  <p:timing>
-    <p:tnLst>
-      <p:par>
-        <p:cTn id="1" dur="indefinite" restart="never" nodeType="tmRoot"/>
-      </p:par>
-    </p:tnLst>
-  </p:timing>
-</p:sld>
-</file>
-
-<file path=ppt/slides/slide14.xml><?xml version="1.0" encoding="utf-8"?>
-<p:sld xmlns:a="http://schemas.openxmlformats.org/drawingml/2006/main" xmlns:r="http://schemas.openxmlformats.org/officeDocument/2006/relationships" xmlns:p="http://schemas.openxmlformats.org/presentationml/2006/main">
-  <p:cSld>
-    <p:spTree>
-      <p:nvGrpSpPr>
-        <p:cNvPr id="1" name=""/>
-        <p:cNvGrpSpPr/>
-        <p:nvPr/>
-      </p:nvGrpSpPr>
-      <p:grpSpPr>
-        <a:xfrm>
-          <a:off x="0" y="0"/>
-          <a:ext cx="0" cy="0"/>
-          <a:chOff x="0" y="0"/>
-          <a:chExt cx="0" cy="0"/>
-        </a:xfrm>
-      </p:grpSpPr>
       <p:sp>
         <p:nvSpPr>
           <p:cNvPr id="7" name="Rectangle 6"/>
@@ -3765,7 +3649,6 @@
               <a:rPr lang="en-US" sz="2000" dirty="0"/>
               <a:t>Definitely should not be</a:t>
             </a:r>
-            <a:endParaRPr lang="en-US" sz="2000" dirty="0"/>
           </a:p>
         </p:txBody>
       </p:sp>
@@ -4300,43 +4183,6 @@
 </p:sld>
 </file>
 
-<file path=ppt/slides/slide15.xml><?xml version="1.0" encoding="utf-8"?>
-<p:sld xmlns:a="http://schemas.openxmlformats.org/drawingml/2006/main" xmlns:r="http://schemas.openxmlformats.org/officeDocument/2006/relationships" xmlns:p="http://schemas.openxmlformats.org/presentationml/2006/main">
-  <p:cSld>
-    <p:spTree>
-      <p:nvGrpSpPr>
-        <p:cNvPr id="1" name=""/>
-        <p:cNvGrpSpPr/>
-        <p:nvPr/>
-      </p:nvGrpSpPr>
-      <p:grpSpPr>
-        <a:xfrm>
-          <a:off x="0" y="0"/>
-          <a:ext cx="0" cy="0"/>
-          <a:chOff x="0" y="0"/>
-          <a:chExt cx="0" cy="0"/>
-        </a:xfrm>
-      </p:grpSpPr>
-    </p:spTree>
-    <p:extLst>
-      <p:ext uri="{BB962C8B-B14F-4D97-AF65-F5344CB8AC3E}">
-        <p14:creationId xmlns:p14="http://schemas.microsoft.com/office/powerpoint/2010/main" val="1040952365"/>
-      </p:ext>
-    </p:extLst>
-  </p:cSld>
-  <p:clrMapOvr>
-    <a:masterClrMapping/>
-  </p:clrMapOvr>
-  <p:timing>
-    <p:tnLst>
-      <p:par>
-        <p:cTn id="1" dur="indefinite" restart="never" nodeType="tmRoot"/>
-      </p:par>
-    </p:tnLst>
-  </p:timing>
-</p:sld>
-</file>
-
 <file path=ppt/slides/slide2.xml><?xml version="1.0" encoding="utf-8"?>
 <p:sld xmlns:a="http://schemas.openxmlformats.org/drawingml/2006/main" xmlns:r="http://schemas.openxmlformats.org/officeDocument/2006/relationships" xmlns:p="http://schemas.openxmlformats.org/presentationml/2006/main">
   <p:cSld>
@@ -4743,7 +4589,6 @@
               <a:rPr lang="en-US" dirty="0"/>
               <a:t>4 Definitely should not be</a:t>
             </a:r>
-            <a:endParaRPr lang="en-US" dirty="0"/>
           </a:p>
         </p:txBody>
       </p:sp>
@@ -5173,7 +5018,6 @@
               <a:rPr lang="en-US" dirty="0"/>
               <a:t>4 Definitely should not be</a:t>
             </a:r>
-            <a:endParaRPr lang="en-US" dirty="0"/>
           </a:p>
         </p:txBody>
       </p:sp>
@@ -5603,7 +5447,6 @@
               <a:rPr lang="en-US" dirty="0"/>
               <a:t>4 Definitely should not be</a:t>
             </a:r>
-            <a:endParaRPr lang="en-US" dirty="0"/>
           </a:p>
         </p:txBody>
       </p:sp>
@@ -6033,7 +5876,6 @@
               <a:rPr lang="en-US" dirty="0"/>
               <a:t>4 Definitely should not be</a:t>
             </a:r>
-            <a:endParaRPr lang="en-US" dirty="0"/>
           </a:p>
         </p:txBody>
       </p:sp>
@@ -6463,7 +6305,6 @@
               <a:rPr lang="en-US" dirty="0"/>
               <a:t>4 Definitely should not be</a:t>
             </a:r>
-            <a:endParaRPr lang="en-US" dirty="0"/>
           </a:p>
         </p:txBody>
       </p:sp>
@@ -6893,7 +6734,6 @@
               <a:rPr lang="en-US" dirty="0"/>
               <a:t>4 Definitely should not be</a:t>
             </a:r>
-            <a:endParaRPr lang="en-US" dirty="0"/>
           </a:p>
         </p:txBody>
       </p:sp>
@@ -7323,7 +7163,6 @@
               <a:rPr lang="en-US" dirty="0"/>
               <a:t>4 Definitely should not be</a:t>
             </a:r>
-            <a:endParaRPr lang="en-US" dirty="0"/>
           </a:p>
         </p:txBody>
       </p:sp>
@@ -7753,7 +7592,6 @@
               <a:rPr lang="en-US" dirty="0"/>
               <a:t>4 Definitely should not be</a:t>
             </a:r>
-            <a:endParaRPr lang="en-US" dirty="0"/>
           </a:p>
         </p:txBody>
       </p:sp>
